--- a/Eclipse-Git.pptx
+++ b/Eclipse-Git.pptx
@@ -5,13 +5,19 @@
     <p:sldMasterId id="2147483648" r:id="rId1"/>
   </p:sldMasterIdLst>
   <p:sldIdLst>
-    <p:sldId id="256" r:id="rId2"/>
-    <p:sldId id="257" r:id="rId3"/>
-    <p:sldId id="258" r:id="rId4"/>
-    <p:sldId id="259" r:id="rId5"/>
-    <p:sldId id="260" r:id="rId6"/>
-    <p:sldId id="261" r:id="rId7"/>
-    <p:sldId id="262" r:id="rId8"/>
+    <p:sldId id="263" r:id="rId2"/>
+    <p:sldId id="256" r:id="rId3"/>
+    <p:sldId id="257" r:id="rId4"/>
+    <p:sldId id="258" r:id="rId5"/>
+    <p:sldId id="259" r:id="rId6"/>
+    <p:sldId id="260" r:id="rId7"/>
+    <p:sldId id="261" r:id="rId8"/>
+    <p:sldId id="264" r:id="rId9"/>
+    <p:sldId id="265" r:id="rId10"/>
+    <p:sldId id="266" r:id="rId11"/>
+    <p:sldId id="267" r:id="rId12"/>
+    <p:sldId id="268" r:id="rId13"/>
+    <p:sldId id="262" r:id="rId14"/>
   </p:sldIdLst>
   <p:sldSz cx="9144000" cy="6858000" type="screen4x3"/>
   <p:notesSz cx="6858000" cy="9144000"/>
@@ -295,7 +301,7 @@
             <a:fld id="{FB30EDBD-1C2D-4C1E-B459-B60219FAB484}" type="datetimeFigureOut">
               <a:rPr lang="ko-KR" altLang="en-US" smtClean="0"/>
               <a:pPr/>
-              <a:t>2019-11-11</a:t>
+              <a:t>2019-11-20</a:t>
             </a:fld>
             <a:endParaRPr lang="ko-KR" altLang="en-US"/>
           </a:p>
@@ -462,7 +468,7 @@
             <a:fld id="{FB30EDBD-1C2D-4C1E-B459-B60219FAB484}" type="datetimeFigureOut">
               <a:rPr lang="ko-KR" altLang="en-US" smtClean="0"/>
               <a:pPr/>
-              <a:t>2019-11-11</a:t>
+              <a:t>2019-11-20</a:t>
             </a:fld>
             <a:endParaRPr lang="ko-KR" altLang="en-US"/>
           </a:p>
@@ -639,7 +645,7 @@
             <a:fld id="{FB30EDBD-1C2D-4C1E-B459-B60219FAB484}" type="datetimeFigureOut">
               <a:rPr lang="ko-KR" altLang="en-US" smtClean="0"/>
               <a:pPr/>
-              <a:t>2019-11-11</a:t>
+              <a:t>2019-11-20</a:t>
             </a:fld>
             <a:endParaRPr lang="ko-KR" altLang="en-US"/>
           </a:p>
@@ -806,7 +812,7 @@
             <a:fld id="{FB30EDBD-1C2D-4C1E-B459-B60219FAB484}" type="datetimeFigureOut">
               <a:rPr lang="ko-KR" altLang="en-US" smtClean="0"/>
               <a:pPr/>
-              <a:t>2019-11-11</a:t>
+              <a:t>2019-11-20</a:t>
             </a:fld>
             <a:endParaRPr lang="ko-KR" altLang="en-US"/>
           </a:p>
@@ -1049,7 +1055,7 @@
             <a:fld id="{FB30EDBD-1C2D-4C1E-B459-B60219FAB484}" type="datetimeFigureOut">
               <a:rPr lang="ko-KR" altLang="en-US" smtClean="0"/>
               <a:pPr/>
-              <a:t>2019-11-11</a:t>
+              <a:t>2019-11-20</a:t>
             </a:fld>
             <a:endParaRPr lang="ko-KR" altLang="en-US"/>
           </a:p>
@@ -1334,7 +1340,7 @@
             <a:fld id="{FB30EDBD-1C2D-4C1E-B459-B60219FAB484}" type="datetimeFigureOut">
               <a:rPr lang="ko-KR" altLang="en-US" smtClean="0"/>
               <a:pPr/>
-              <a:t>2019-11-11</a:t>
+              <a:t>2019-11-20</a:t>
             </a:fld>
             <a:endParaRPr lang="ko-KR" altLang="en-US"/>
           </a:p>
@@ -1753,7 +1759,7 @@
             <a:fld id="{FB30EDBD-1C2D-4C1E-B459-B60219FAB484}" type="datetimeFigureOut">
               <a:rPr lang="ko-KR" altLang="en-US" smtClean="0"/>
               <a:pPr/>
-              <a:t>2019-11-11</a:t>
+              <a:t>2019-11-20</a:t>
             </a:fld>
             <a:endParaRPr lang="ko-KR" altLang="en-US"/>
           </a:p>
@@ -1868,7 +1874,7 @@
             <a:fld id="{FB30EDBD-1C2D-4C1E-B459-B60219FAB484}" type="datetimeFigureOut">
               <a:rPr lang="ko-KR" altLang="en-US" smtClean="0"/>
               <a:pPr/>
-              <a:t>2019-11-11</a:t>
+              <a:t>2019-11-20</a:t>
             </a:fld>
             <a:endParaRPr lang="ko-KR" altLang="en-US"/>
           </a:p>
@@ -1960,7 +1966,7 @@
             <a:fld id="{FB30EDBD-1C2D-4C1E-B459-B60219FAB484}" type="datetimeFigureOut">
               <a:rPr lang="ko-KR" altLang="en-US" smtClean="0"/>
               <a:pPr/>
-              <a:t>2019-11-11</a:t>
+              <a:t>2019-11-20</a:t>
             </a:fld>
             <a:endParaRPr lang="ko-KR" altLang="en-US"/>
           </a:p>
@@ -2234,7 +2240,7 @@
             <a:fld id="{FB30EDBD-1C2D-4C1E-B459-B60219FAB484}" type="datetimeFigureOut">
               <a:rPr lang="ko-KR" altLang="en-US" smtClean="0"/>
               <a:pPr/>
-              <a:t>2019-11-11</a:t>
+              <a:t>2019-11-20</a:t>
             </a:fld>
             <a:endParaRPr lang="ko-KR" altLang="en-US"/>
           </a:p>
@@ -2484,7 +2490,7 @@
             <a:fld id="{FB30EDBD-1C2D-4C1E-B459-B60219FAB484}" type="datetimeFigureOut">
               <a:rPr lang="ko-KR" altLang="en-US" smtClean="0"/>
               <a:pPr/>
-              <a:t>2019-11-11</a:t>
+              <a:t>2019-11-20</a:t>
             </a:fld>
             <a:endParaRPr lang="ko-KR" altLang="en-US"/>
           </a:p>
@@ -2694,7 +2700,7 @@
             <a:fld id="{FB30EDBD-1C2D-4C1E-B459-B60219FAB484}" type="datetimeFigureOut">
               <a:rPr lang="ko-KR" altLang="en-US" smtClean="0"/>
               <a:pPr/>
-              <a:t>2019-11-11</a:t>
+              <a:t>2019-11-20</a:t>
             </a:fld>
             <a:endParaRPr lang="ko-KR" altLang="en-US"/>
           </a:p>
@@ -3067,6 +3073,165 @@
       </p:grpSpPr>
       <p:sp>
         <p:nvSpPr>
+          <p:cNvPr id="2" name="TextBox 1"/>
+          <p:cNvSpPr txBox="1"/>
+          <p:nvPr/>
+        </p:nvSpPr>
+        <p:spPr>
+          <a:xfrm>
+            <a:off x="1357290" y="1214422"/>
+            <a:ext cx="5143536" cy="707886"/>
+          </a:xfrm>
+          <a:prstGeom prst="rect">
+            <a:avLst/>
+          </a:prstGeom>
+          <a:noFill/>
+        </p:spPr>
+        <p:txBody>
+          <a:bodyPr wrap="square" rtlCol="0">
+            <a:spAutoFit/>
+          </a:bodyPr>
+          <a:lstStyle/>
+          <a:p>
+            <a:r>
+              <a:rPr lang="en-US" altLang="ko-KR" sz="4000" smtClean="0"/>
+              <a:t>Eclipse – Git </a:t>
+            </a:r>
+            <a:r>
+              <a:rPr lang="ko-KR" altLang="en-US" sz="4000" smtClean="0"/>
+              <a:t>연결</a:t>
+            </a:r>
+            <a:endParaRPr lang="ko-KR" altLang="en-US" sz="4000"/>
+          </a:p>
+        </p:txBody>
+      </p:sp>
+    </p:spTree>
+  </p:cSld>
+  <p:clrMapOvr>
+    <a:masterClrMapping/>
+  </p:clrMapOvr>
+</p:sld>
+</file>
+
+<file path=ppt/slides/slide10.xml><?xml version="1.0" encoding="utf-8"?>
+<p:sld xmlns:a="http://schemas.openxmlformats.org/drawingml/2006/main" xmlns:r="http://schemas.openxmlformats.org/officeDocument/2006/relationships" xmlns:p="http://schemas.openxmlformats.org/presentationml/2006/main">
+  <p:cSld>
+    <p:spTree>
+      <p:nvGrpSpPr>
+        <p:cNvPr id="1" name=""/>
+        <p:cNvGrpSpPr/>
+        <p:nvPr/>
+      </p:nvGrpSpPr>
+      <p:grpSpPr>
+        <a:xfrm>
+          <a:off x="0" y="0"/>
+          <a:ext cx="0" cy="0"/>
+          <a:chOff x="0" y="0"/>
+          <a:chExt cx="0" cy="0"/>
+        </a:xfrm>
+      </p:grpSpPr>
+    </p:spTree>
+  </p:cSld>
+  <p:clrMapOvr>
+    <a:masterClrMapping/>
+  </p:clrMapOvr>
+</p:sld>
+</file>
+
+<file path=ppt/slides/slide11.xml><?xml version="1.0" encoding="utf-8"?>
+<p:sld xmlns:a="http://schemas.openxmlformats.org/drawingml/2006/main" xmlns:r="http://schemas.openxmlformats.org/officeDocument/2006/relationships" xmlns:p="http://schemas.openxmlformats.org/presentationml/2006/main">
+  <p:cSld>
+    <p:spTree>
+      <p:nvGrpSpPr>
+        <p:cNvPr id="1" name=""/>
+        <p:cNvGrpSpPr/>
+        <p:nvPr/>
+      </p:nvGrpSpPr>
+      <p:grpSpPr>
+        <a:xfrm>
+          <a:off x="0" y="0"/>
+          <a:ext cx="0" cy="0"/>
+          <a:chOff x="0" y="0"/>
+          <a:chExt cx="0" cy="0"/>
+        </a:xfrm>
+      </p:grpSpPr>
+    </p:spTree>
+  </p:cSld>
+  <p:clrMapOvr>
+    <a:masterClrMapping/>
+  </p:clrMapOvr>
+</p:sld>
+</file>
+
+<file path=ppt/slides/slide12.xml><?xml version="1.0" encoding="utf-8"?>
+<p:sld xmlns:a="http://schemas.openxmlformats.org/drawingml/2006/main" xmlns:r="http://schemas.openxmlformats.org/officeDocument/2006/relationships" xmlns:p="http://schemas.openxmlformats.org/presentationml/2006/main">
+  <p:cSld>
+    <p:spTree>
+      <p:nvGrpSpPr>
+        <p:cNvPr id="1" name=""/>
+        <p:cNvGrpSpPr/>
+        <p:nvPr/>
+      </p:nvGrpSpPr>
+      <p:grpSpPr>
+        <a:xfrm>
+          <a:off x="0" y="0"/>
+          <a:ext cx="0" cy="0"/>
+          <a:chOff x="0" y="0"/>
+          <a:chExt cx="0" cy="0"/>
+        </a:xfrm>
+      </p:grpSpPr>
+    </p:spTree>
+  </p:cSld>
+  <p:clrMapOvr>
+    <a:masterClrMapping/>
+  </p:clrMapOvr>
+</p:sld>
+</file>
+
+<file path=ppt/slides/slide13.xml><?xml version="1.0" encoding="utf-8"?>
+<p:sld xmlns:a="http://schemas.openxmlformats.org/drawingml/2006/main" xmlns:r="http://schemas.openxmlformats.org/officeDocument/2006/relationships" xmlns:p="http://schemas.openxmlformats.org/presentationml/2006/main">
+  <p:cSld>
+    <p:spTree>
+      <p:nvGrpSpPr>
+        <p:cNvPr id="1" name=""/>
+        <p:cNvGrpSpPr/>
+        <p:nvPr/>
+      </p:nvGrpSpPr>
+      <p:grpSpPr>
+        <a:xfrm>
+          <a:off x="0" y="0"/>
+          <a:ext cx="0" cy="0"/>
+          <a:chOff x="0" y="0"/>
+          <a:chExt cx="0" cy="0"/>
+        </a:xfrm>
+      </p:grpSpPr>
+    </p:spTree>
+  </p:cSld>
+  <p:clrMapOvr>
+    <a:masterClrMapping/>
+  </p:clrMapOvr>
+</p:sld>
+</file>
+
+<file path=ppt/slides/slide2.xml><?xml version="1.0" encoding="utf-8"?>
+<p:sld xmlns:a="http://schemas.openxmlformats.org/drawingml/2006/main" xmlns:r="http://schemas.openxmlformats.org/officeDocument/2006/relationships" xmlns:p="http://schemas.openxmlformats.org/presentationml/2006/main">
+  <p:cSld>
+    <p:spTree>
+      <p:nvGrpSpPr>
+        <p:cNvPr id="1" name=""/>
+        <p:cNvGrpSpPr/>
+        <p:nvPr/>
+      </p:nvGrpSpPr>
+      <p:grpSpPr>
+        <a:xfrm>
+          <a:off x="0" y="0"/>
+          <a:ext cx="0" cy="0"/>
+          <a:chOff x="0" y="0"/>
+          <a:chExt cx="0" cy="0"/>
+        </a:xfrm>
+      </p:grpSpPr>
+      <p:sp>
+        <p:nvSpPr>
           <p:cNvPr id="4" name="직사각형 3"/>
           <p:cNvSpPr/>
           <p:nvPr/>
@@ -3130,7 +3295,7 @@
 </p:sld>
 </file>
 
-<file path=ppt/slides/slide2.xml><?xml version="1.0" encoding="utf-8"?>
+<file path=ppt/slides/slide3.xml><?xml version="1.0" encoding="utf-8"?>
 <p:sld xmlns:a="http://schemas.openxmlformats.org/drawingml/2006/main" xmlns:r="http://schemas.openxmlformats.org/officeDocument/2006/relationships" xmlns:p="http://schemas.openxmlformats.org/presentationml/2006/main">
   <p:cSld>
     <p:spTree>
@@ -3233,7 +3398,7 @@
 </p:sld>
 </file>
 
-<file path=ppt/slides/slide3.xml><?xml version="1.0" encoding="utf-8"?>
+<file path=ppt/slides/slide4.xml><?xml version="1.0" encoding="utf-8"?>
 <p:sld xmlns:a="http://schemas.openxmlformats.org/drawingml/2006/main" xmlns:r="http://schemas.openxmlformats.org/officeDocument/2006/relationships" xmlns:p="http://schemas.openxmlformats.org/presentationml/2006/main">
   <p:cSld>
     <p:spTree>
@@ -3284,7 +3449,7 @@
 </p:sld>
 </file>
 
-<file path=ppt/slides/slide4.xml><?xml version="1.0" encoding="utf-8"?>
+<file path=ppt/slides/slide5.xml><?xml version="1.0" encoding="utf-8"?>
 <p:sld xmlns:a="http://schemas.openxmlformats.org/drawingml/2006/main" xmlns:r="http://schemas.openxmlformats.org/officeDocument/2006/relationships" xmlns:p="http://schemas.openxmlformats.org/presentationml/2006/main">
   <p:cSld>
     <p:spTree>
@@ -3335,7 +3500,7 @@
 </p:sld>
 </file>
 
-<file path=ppt/slides/slide5.xml><?xml version="1.0" encoding="utf-8"?>
+<file path=ppt/slides/slide6.xml><?xml version="1.0" encoding="utf-8"?>
 <p:sld xmlns:a="http://schemas.openxmlformats.org/drawingml/2006/main" xmlns:r="http://schemas.openxmlformats.org/officeDocument/2006/relationships" xmlns:p="http://schemas.openxmlformats.org/presentationml/2006/main">
   <p:cSld>
     <p:spTree>
@@ -3386,7 +3551,7 @@
 </p:sld>
 </file>
 
-<file path=ppt/slides/slide6.xml><?xml version="1.0" encoding="utf-8"?>
+<file path=ppt/slides/slide7.xml><?xml version="1.0" encoding="utf-8"?>
 <p:sld xmlns:a="http://schemas.openxmlformats.org/drawingml/2006/main" xmlns:r="http://schemas.openxmlformats.org/officeDocument/2006/relationships" xmlns:p="http://schemas.openxmlformats.org/presentationml/2006/main">
   <p:cSld>
     <p:spTree>
@@ -3482,7 +3647,7 @@
 </p:sld>
 </file>
 
-<file path=ppt/slides/slide7.xml><?xml version="1.0" encoding="utf-8"?>
+<file path=ppt/slides/slide8.xml><?xml version="1.0" encoding="utf-8"?>
 <p:sld xmlns:a="http://schemas.openxmlformats.org/drawingml/2006/main" xmlns:r="http://schemas.openxmlformats.org/officeDocument/2006/relationships" xmlns:p="http://schemas.openxmlformats.org/presentationml/2006/main">
   <p:cSld>
     <p:spTree>
@@ -3499,6 +3664,154 @@
           <a:chExt cx="0" cy="0"/>
         </a:xfrm>
       </p:grpSpPr>
+      <p:sp>
+        <p:nvSpPr>
+          <p:cNvPr id="2" name="TextBox 1"/>
+          <p:cNvSpPr txBox="1"/>
+          <p:nvPr/>
+        </p:nvSpPr>
+        <p:spPr>
+          <a:xfrm>
+            <a:off x="500034" y="1214422"/>
+            <a:ext cx="8215370" cy="1323439"/>
+          </a:xfrm>
+          <a:prstGeom prst="rect">
+            <a:avLst/>
+          </a:prstGeom>
+          <a:noFill/>
+        </p:spPr>
+        <p:txBody>
+          <a:bodyPr wrap="square" rtlCol="0">
+            <a:spAutoFit/>
+          </a:bodyPr>
+          <a:lstStyle/>
+          <a:p>
+            <a:r>
+              <a:rPr lang="en-US" altLang="ko-KR" sz="4000" smtClean="0"/>
+              <a:t>“Undefined variable from import” errors?</a:t>
+            </a:r>
+            <a:endParaRPr lang="ko-KR" altLang="en-US" sz="4000"/>
+          </a:p>
+        </p:txBody>
+      </p:sp>
+    </p:spTree>
+  </p:cSld>
+  <p:clrMapOvr>
+    <a:masterClrMapping/>
+  </p:clrMapOvr>
+</p:sld>
+</file>
+
+<file path=ppt/slides/slide9.xml><?xml version="1.0" encoding="utf-8"?>
+<p:sld xmlns:a="http://schemas.openxmlformats.org/drawingml/2006/main" xmlns:r="http://schemas.openxmlformats.org/officeDocument/2006/relationships" xmlns:p="http://schemas.openxmlformats.org/presentationml/2006/main">
+  <p:cSld>
+    <p:spTree>
+      <p:nvGrpSpPr>
+        <p:cNvPr id="1" name=""/>
+        <p:cNvGrpSpPr/>
+        <p:nvPr/>
+      </p:nvGrpSpPr>
+      <p:grpSpPr>
+        <a:xfrm>
+          <a:off x="0" y="0"/>
+          <a:ext cx="0" cy="0"/>
+          <a:chOff x="0" y="0"/>
+          <a:chExt cx="0" cy="0"/>
+        </a:xfrm>
+      </p:grpSpPr>
+      <p:sp>
+        <p:nvSpPr>
+          <p:cNvPr id="2" name="직사각형 1"/>
+          <p:cNvSpPr/>
+          <p:nvPr/>
+        </p:nvSpPr>
+        <p:spPr>
+          <a:xfrm>
+            <a:off x="357158" y="642918"/>
+            <a:ext cx="8215370" cy="2031325"/>
+          </a:xfrm>
+          <a:prstGeom prst="rect">
+            <a:avLst/>
+          </a:prstGeom>
+        </p:spPr>
+        <p:txBody>
+          <a:bodyPr wrap="square">
+            <a:spAutoFit/>
+          </a:bodyPr>
+          <a:lstStyle/>
+          <a:p>
+            <a:pPr fontAlgn="base">
+              <a:buFont typeface="Arial" pitchFamily="34" charset="0"/>
+              <a:buChar char="•"/>
+            </a:pPr>
+            <a:r>
+              <a:rPr lang="en-US" smtClean="0"/>
+              <a:t> step </a:t>
+            </a:r>
+            <a:r>
+              <a:rPr lang="en-US" smtClean="0"/>
+              <a:t>2) Window - Preferences - PyDev - Interpreters - Python Interpreter Go to the </a:t>
+            </a:r>
+            <a:r>
+              <a:rPr lang="en-US" smtClean="0">
+                <a:solidFill>
+                  <a:srgbClr val="FF0000"/>
+                </a:solidFill>
+              </a:rPr>
+              <a:t>Forced builtins</a:t>
+            </a:r>
+            <a:r>
+              <a:rPr lang="en-US" smtClean="0"/>
+              <a:t> tab Click on New... Type the name of the module (curses in my case) and </a:t>
+            </a:r>
+            <a:r>
+              <a:rPr lang="en-US" smtClean="0"/>
+              <a:t>click </a:t>
+            </a:r>
+            <a:r>
+              <a:rPr lang="en-US" smtClean="0"/>
+              <a:t>OK</a:t>
+            </a:r>
+          </a:p>
+          <a:p>
+            <a:pPr fontAlgn="base">
+              <a:buFont typeface="Arial" pitchFamily="34" charset="0"/>
+              <a:buChar char="•"/>
+            </a:pPr>
+            <a:endParaRPr lang="en-US" smtClean="0"/>
+          </a:p>
+          <a:p>
+            <a:pPr fontAlgn="base">
+              <a:buFont typeface="Arial" pitchFamily="34" charset="0"/>
+              <a:buChar char="•"/>
+            </a:pPr>
+            <a:endParaRPr lang="en-US" smtClean="0"/>
+          </a:p>
+          <a:p>
+            <a:pPr fontAlgn="base">
+              <a:buFont typeface="Arial" pitchFamily="34" charset="0"/>
+              <a:buChar char="•"/>
+            </a:pPr>
+            <a:r>
+              <a:rPr lang="en-US" smtClean="0"/>
+              <a:t>step 3) Right click in the </a:t>
+            </a:r>
+            <a:r>
+              <a:rPr lang="en-US" smtClean="0">
+                <a:solidFill>
+                  <a:srgbClr val="FF0000"/>
+                </a:solidFill>
+              </a:rPr>
+              <a:t>project explorer</a:t>
+            </a:r>
+            <a:r>
+              <a:rPr lang="en-US" smtClean="0"/>
+              <a:t> on whichever module is giving errors. Go to PyDev-&gt;Code analysis.</a:t>
+            </a:r>
+            <a:endParaRPr lang="en-US"/>
+          </a:p>
+        </p:txBody>
+      </p:sp>
     </p:spTree>
   </p:cSld>
   <p:clrMapOvr>
